--- a/week-04/demo_presentation_9_29_2017.pptx
+++ b/week-04/demo_presentation_9_29_2017.pptx
@@ -12,7 +12,7 @@
     <p:sldId id="257" r:id="rId3"/>
     <p:sldId id="259" r:id="rId4"/>
     <p:sldId id="260" r:id="rId5"/>
-    <p:sldId id="261" r:id="rId6"/>
+    <p:sldId id="263" r:id="rId6"/>
     <p:sldId id="262" r:id="rId7"/>
   </p:sldIdLst>
   <p:sldSz cx="12192000" cy="6858000"/>
@@ -112,6 +112,11 @@
       </a:defRPr>
     </a:lvl9pPr>
   </p:defaultTextStyle>
+  <p:extLst>
+    <p:ext uri="{EFAFB233-063F-42B5-8137-9DF3F51BA10A}">
+      <p15:sldGuideLst xmlns:p15="http://schemas.microsoft.com/office/powerpoint/2012/main"/>
+    </p:ext>
+  </p:extLst>
 </p:presentation>
 </file>
 
@@ -209,7 +214,7 @@
           <a:p>
             <a:fld id="{2AF44908-2630-485F-8A57-F36997DDD4B2}" type="datetimeFigureOut">
               <a:rPr lang="hu-HU" smtClean="0"/>
-              <a:t>2017. 09. 28.</a:t>
+              <a:t>2017. 09. 29.</a:t>
             </a:fld>
             <a:endParaRPr lang="hu-HU"/>
           </a:p>
@@ -627,6 +632,52 @@
           <a:bodyPr/>
           <a:lstStyle/>
           <a:p>
+            <a:pPr marL="171450" indent="-171450">
+              <a:buFontTx/>
+              <a:buChar char="-"/>
+            </a:pPr>
+            <a:r>
+              <a:rPr lang="en-GB" baseline="0" dirty="0" smtClean="0"/>
+              <a:t>What are the rules of this game?</a:t>
+            </a:r>
+          </a:p>
+          <a:p>
+            <a:pPr marL="171450" indent="-171450">
+              <a:buFontTx/>
+              <a:buChar char="-"/>
+            </a:pPr>
+            <a:r>
+              <a:rPr lang="en-GB" baseline="0" dirty="0" smtClean="0"/>
+              <a:t>Let me show you some</a:t>
+            </a:r>
+            <a:r>
+              <a:rPr lang="hu-HU" baseline="0" dirty="0" smtClean="0"/>
+              <a:t> </a:t>
+            </a:r>
+            <a:r>
+              <a:rPr lang="hu-HU" baseline="0" dirty="0" err="1" smtClean="0"/>
+              <a:t>snippets</a:t>
+            </a:r>
+            <a:r>
+              <a:rPr lang="hu-HU" baseline="0" dirty="0" smtClean="0"/>
+              <a:t> </a:t>
+            </a:r>
+            <a:r>
+              <a:rPr lang="hu-HU" baseline="0" dirty="0" err="1" smtClean="0"/>
+              <a:t>from</a:t>
+            </a:r>
+            <a:r>
+              <a:rPr lang="hu-HU" baseline="0" dirty="0" smtClean="0"/>
+              <a:t> </a:t>
+            </a:r>
+            <a:r>
+              <a:rPr lang="hu-HU" baseline="0" dirty="0" err="1" smtClean="0"/>
+              <a:t>the</a:t>
+            </a:r>
+            <a:r>
+              <a:rPr lang="hu-HU" baseline="0" dirty="0" smtClean="0"/>
+              <a:t> program.</a:t>
+            </a:r>
             <a:endParaRPr lang="hu-HU" dirty="0"/>
           </a:p>
         </p:txBody>
@@ -717,7 +768,7 @@
             </a:pPr>
             <a:r>
               <a:rPr lang="en-GB" baseline="0" dirty="0" smtClean="0"/>
-              <a:t>What does breakdown function do?</a:t>
+              <a:t>BREAKDOWN</a:t>
             </a:r>
           </a:p>
           <a:p>
@@ -727,8 +778,29 @@
             </a:pPr>
             <a:r>
               <a:rPr lang="en-GB" baseline="0" dirty="0" smtClean="0"/>
-              <a:t>I check the Cows here</a:t>
-            </a:r>
+              <a:t>What does breakdown function do?</a:t>
+            </a:r>
+          </a:p>
+          <a:p>
+            <a:pPr marL="171450" indent="-171450">
+              <a:buFontTx/>
+              <a:buChar char="-"/>
+            </a:pPr>
+            <a:r>
+              <a:rPr lang="en-GB" baseline="0" dirty="0" smtClean="0"/>
+              <a:t>I check the Cows </a:t>
+            </a:r>
+            <a:r>
+              <a:rPr lang="en-GB" baseline="0" dirty="0" smtClean="0"/>
+              <a:t>here</a:t>
+            </a:r>
+            <a:endParaRPr lang="hu-HU" baseline="0" dirty="0" smtClean="0"/>
+          </a:p>
+          <a:p>
+            <a:pPr marL="171450" indent="-171450">
+              <a:buFontTx/>
+              <a:buChar char="-"/>
+            </a:pPr>
             <a:endParaRPr lang="hu-HU" dirty="0"/>
           </a:p>
         </p:txBody>
@@ -819,7 +891,11 @@
             </a:pPr>
             <a:r>
               <a:rPr lang="en-GB" baseline="0" dirty="0" smtClean="0"/>
-              <a:t>Check the Bulls</a:t>
+              <a:t>If </a:t>
+            </a:r>
+            <a:r>
+              <a:rPr lang="en-GB" baseline="0" dirty="0" smtClean="0"/>
+              <a:t>the digit is part of the random number the program replaces it with BULL</a:t>
             </a:r>
           </a:p>
           <a:p>
@@ -827,13 +903,35 @@
               <a:buFontTx/>
               <a:buChar char="-"/>
             </a:pPr>
-            <a:endParaRPr lang="en-GB" baseline="0" dirty="0" smtClean="0"/>
+            <a:r>
+              <a:rPr lang="en-GB" baseline="0" dirty="0" smtClean="0"/>
+              <a:t>In any other case it will return with the original digit</a:t>
+            </a:r>
           </a:p>
           <a:p>
             <a:pPr marL="171450" indent="-171450">
               <a:buFontTx/>
               <a:buChar char="-"/>
             </a:pPr>
+            <a:r>
+              <a:rPr lang="en-GB" baseline="0" dirty="0" smtClean="0"/>
+              <a:t>Whole stuff in a do-while </a:t>
+            </a:r>
+            <a:r>
+              <a:rPr lang="en-GB" baseline="0" dirty="0" smtClean="0"/>
+              <a:t>loop</a:t>
+            </a:r>
+            <a:endParaRPr lang="hu-HU" baseline="0" dirty="0" smtClean="0"/>
+          </a:p>
+          <a:p>
+            <a:pPr marL="171450" indent="-171450">
+              <a:buFontTx/>
+              <a:buChar char="-"/>
+            </a:pPr>
+            <a:r>
+              <a:rPr lang="en-GB" baseline="0" dirty="0" smtClean="0"/>
+              <a:t>Needed to censor numbers</a:t>
+            </a:r>
             <a:endParaRPr lang="hu-HU" dirty="0"/>
           </a:p>
         </p:txBody>
@@ -918,21 +1016,128 @@
           <a:bodyPr/>
           <a:lstStyle/>
           <a:p>
-            <a:pPr marL="171450" indent="-171450">
+            <a:r>
+              <a:rPr lang="en-GB" dirty="0" smtClean="0"/>
+              <a:t>-</a:t>
+            </a:r>
+            <a:r>
+              <a:rPr lang="en-GB" baseline="0" dirty="0" smtClean="0"/>
+              <a:t> Be </a:t>
+            </a:r>
+            <a:r>
+              <a:rPr lang="en-GB" dirty="0" smtClean="0"/>
+              <a:t>quick!</a:t>
+            </a:r>
+            <a:endParaRPr lang="hu-HU" dirty="0"/>
+          </a:p>
+        </p:txBody>
+      </p:sp>
+      <p:sp>
+        <p:nvSpPr>
+          <p:cNvPr id="4" name="Dia számának helye 3"/>
+          <p:cNvSpPr>
+            <a:spLocks noGrp="1"/>
+          </p:cNvSpPr>
+          <p:nvPr>
+            <p:ph type="sldNum" sz="quarter" idx="10"/>
+          </p:nvPr>
+        </p:nvSpPr>
+        <p:spPr/>
+        <p:txBody>
+          <a:bodyPr/>
+          <a:lstStyle/>
+          <a:p>
+            <a:fld id="{51A29B00-843D-4E21-8F88-1E20B6C2E76A}" type="slidenum">
+              <a:rPr lang="hu-HU" smtClean="0"/>
+              <a:t>5</a:t>
+            </a:fld>
+            <a:endParaRPr lang="hu-HU"/>
+          </a:p>
+        </p:txBody>
+      </p:sp>
+    </p:spTree>
+    <p:extLst>
+      <p:ext uri="{BB962C8B-B14F-4D97-AF65-F5344CB8AC3E}">
+        <p14:creationId xmlns:p14="http://schemas.microsoft.com/office/powerpoint/2010/main" val="3205140399"/>
+      </p:ext>
+    </p:extLst>
+  </p:cSld>
+  <p:clrMapOvr>
+    <a:masterClrMapping/>
+  </p:clrMapOvr>
+</p:notes>
+</file>
+
+<file path=ppt/notesSlides/notesSlide6.xml><?xml version="1.0" encoding="utf-8"?>
+<p:notes xmlns:a="http://schemas.openxmlformats.org/drawingml/2006/main" xmlns:r="http://schemas.openxmlformats.org/officeDocument/2006/relationships" xmlns:p="http://schemas.openxmlformats.org/presentationml/2006/main">
+  <p:cSld>
+    <p:spTree>
+      <p:nvGrpSpPr>
+        <p:cNvPr id="1" name=""/>
+        <p:cNvGrpSpPr/>
+        <p:nvPr/>
+      </p:nvGrpSpPr>
+      <p:grpSpPr>
+        <a:xfrm>
+          <a:off x="0" y="0"/>
+          <a:ext cx="0" cy="0"/>
+          <a:chOff x="0" y="0"/>
+          <a:chExt cx="0" cy="0"/>
+        </a:xfrm>
+      </p:grpSpPr>
+      <p:sp>
+        <p:nvSpPr>
+          <p:cNvPr id="2" name="Diakép helye 1"/>
+          <p:cNvSpPr>
+            <a:spLocks noGrp="1" noRot="1" noChangeAspect="1"/>
+          </p:cNvSpPr>
+          <p:nvPr>
+            <p:ph type="sldImg"/>
+          </p:nvPr>
+        </p:nvSpPr>
+        <p:spPr/>
+      </p:sp>
+      <p:sp>
+        <p:nvSpPr>
+          <p:cNvPr id="3" name="Jegyzetek helye 2"/>
+          <p:cNvSpPr>
+            <a:spLocks noGrp="1"/>
+          </p:cNvSpPr>
+          <p:nvPr>
+            <p:ph type="body" idx="1"/>
+          </p:nvPr>
+        </p:nvSpPr>
+        <p:spPr/>
+        <p:txBody>
+          <a:bodyPr/>
+          <a:lstStyle/>
+          <a:p>
+            <a:pPr marL="0" indent="0">
+              <a:buFontTx/>
+              <a:buNone/>
+            </a:pPr>
+            <a:r>
+              <a:rPr lang="hu-HU" baseline="0" smtClean="0"/>
+              <a:t>- </a:t>
+            </a:r>
+            <a:r>
+              <a:rPr lang="en-GB" baseline="0" smtClean="0"/>
+              <a:t>I </a:t>
+            </a:r>
+            <a:r>
+              <a:rPr lang="en-GB" baseline="0" dirty="0" smtClean="0"/>
+              <a:t>forced myself to complete this exercise with Test-Driven-Development process.</a:t>
+            </a:r>
+          </a:p>
+          <a:p>
+            <a:pPr marL="628650" lvl="1" indent="-171450">
               <a:buFontTx/>
               <a:buChar char="-"/>
             </a:pPr>
             <a:r>
-              <a:rPr lang="en-GB" dirty="0" smtClean="0"/>
-              <a:t>Main program</a:t>
-            </a:r>
-          </a:p>
-          <a:p>
-            <a:pPr marL="171450" indent="-171450">
-              <a:buFontTx/>
-              <a:buChar char="-"/>
-            </a:pPr>
-            <a:endParaRPr lang="hu-HU" dirty="0"/>
+              <a:rPr lang="en-GB" baseline="0" dirty="0" smtClean="0"/>
+              <a:t>I wrote dozens of test but still found bugs.</a:t>
+            </a:r>
           </a:p>
         </p:txBody>
       </p:sp>
@@ -953,7 +1158,7 @@
           <a:p>
             <a:fld id="{51A29B00-843D-4E21-8F88-1E20B6C2E76A}" type="slidenum">
               <a:rPr lang="hu-HU" smtClean="0"/>
-              <a:t>5</a:t>
+              <a:t>6</a:t>
             </a:fld>
             <a:endParaRPr lang="hu-HU"/>
           </a:p>
@@ -962,7 +1167,7 @@
     </p:spTree>
     <p:extLst>
       <p:ext uri="{BB962C8B-B14F-4D97-AF65-F5344CB8AC3E}">
-        <p14:creationId xmlns:p14="http://schemas.microsoft.com/office/powerpoint/2010/main" val="2850828424"/>
+        <p14:creationId xmlns:p14="http://schemas.microsoft.com/office/powerpoint/2010/main" val="4207084520"/>
       </p:ext>
     </p:extLst>
   </p:cSld>
@@ -1103,7 +1308,7 @@
           <a:p>
             <a:fld id="{AB9FB06A-34F6-448E-931F-5B556E7A6129}" type="datetimeFigureOut">
               <a:rPr lang="hu-HU" smtClean="0"/>
-              <a:t>2017. 09. 28.</a:t>
+              <a:t>2017. 09. 29.</a:t>
             </a:fld>
             <a:endParaRPr lang="hu-HU"/>
           </a:p>
@@ -1273,7 +1478,7 @@
           <a:p>
             <a:fld id="{AB9FB06A-34F6-448E-931F-5B556E7A6129}" type="datetimeFigureOut">
               <a:rPr lang="hu-HU" smtClean="0"/>
-              <a:t>2017. 09. 28.</a:t>
+              <a:t>2017. 09. 29.</a:t>
             </a:fld>
             <a:endParaRPr lang="hu-HU"/>
           </a:p>
@@ -1453,7 +1658,7 @@
           <a:p>
             <a:fld id="{AB9FB06A-34F6-448E-931F-5B556E7A6129}" type="datetimeFigureOut">
               <a:rPr lang="hu-HU" smtClean="0"/>
-              <a:t>2017. 09. 28.</a:t>
+              <a:t>2017. 09. 29.</a:t>
             </a:fld>
             <a:endParaRPr lang="hu-HU"/>
           </a:p>
@@ -1623,7 +1828,7 @@
           <a:p>
             <a:fld id="{AB9FB06A-34F6-448E-931F-5B556E7A6129}" type="datetimeFigureOut">
               <a:rPr lang="hu-HU" smtClean="0"/>
-              <a:t>2017. 09. 28.</a:t>
+              <a:t>2017. 09. 29.</a:t>
             </a:fld>
             <a:endParaRPr lang="hu-HU"/>
           </a:p>
@@ -1869,7 +2074,7 @@
           <a:p>
             <a:fld id="{AB9FB06A-34F6-448E-931F-5B556E7A6129}" type="datetimeFigureOut">
               <a:rPr lang="hu-HU" smtClean="0"/>
-              <a:t>2017. 09. 28.</a:t>
+              <a:t>2017. 09. 29.</a:t>
             </a:fld>
             <a:endParaRPr lang="hu-HU"/>
           </a:p>
@@ -2101,7 +2306,7 @@
           <a:p>
             <a:fld id="{AB9FB06A-34F6-448E-931F-5B556E7A6129}" type="datetimeFigureOut">
               <a:rPr lang="hu-HU" smtClean="0"/>
-              <a:t>2017. 09. 28.</a:t>
+              <a:t>2017. 09. 29.</a:t>
             </a:fld>
             <a:endParaRPr lang="hu-HU"/>
           </a:p>
@@ -2468,7 +2673,7 @@
           <a:p>
             <a:fld id="{AB9FB06A-34F6-448E-931F-5B556E7A6129}" type="datetimeFigureOut">
               <a:rPr lang="hu-HU" smtClean="0"/>
-              <a:t>2017. 09. 28.</a:t>
+              <a:t>2017. 09. 29.</a:t>
             </a:fld>
             <a:endParaRPr lang="hu-HU"/>
           </a:p>
@@ -2586,7 +2791,7 @@
           <a:p>
             <a:fld id="{AB9FB06A-34F6-448E-931F-5B556E7A6129}" type="datetimeFigureOut">
               <a:rPr lang="hu-HU" smtClean="0"/>
-              <a:t>2017. 09. 28.</a:t>
+              <a:t>2017. 09. 29.</a:t>
             </a:fld>
             <a:endParaRPr lang="hu-HU"/>
           </a:p>
@@ -2681,7 +2886,7 @@
           <a:p>
             <a:fld id="{AB9FB06A-34F6-448E-931F-5B556E7A6129}" type="datetimeFigureOut">
               <a:rPr lang="hu-HU" smtClean="0"/>
-              <a:t>2017. 09. 28.</a:t>
+              <a:t>2017. 09. 29.</a:t>
             </a:fld>
             <a:endParaRPr lang="hu-HU"/>
           </a:p>
@@ -2958,7 +3163,7 @@
           <a:p>
             <a:fld id="{AB9FB06A-34F6-448E-931F-5B556E7A6129}" type="datetimeFigureOut">
               <a:rPr lang="hu-HU" smtClean="0"/>
-              <a:t>2017. 09. 28.</a:t>
+              <a:t>2017. 09. 29.</a:t>
             </a:fld>
             <a:endParaRPr lang="hu-HU"/>
           </a:p>
@@ -3211,7 +3416,7 @@
           <a:p>
             <a:fld id="{AB9FB06A-34F6-448E-931F-5B556E7A6129}" type="datetimeFigureOut">
               <a:rPr lang="hu-HU" smtClean="0"/>
-              <a:t>2017. 09. 28.</a:t>
+              <a:t>2017. 09. 29.</a:t>
             </a:fld>
             <a:endParaRPr lang="hu-HU"/>
           </a:p>
@@ -3424,7 +3629,7 @@
           <a:p>
             <a:fld id="{AB9FB06A-34F6-448E-931F-5B556E7A6129}" type="datetimeFigureOut">
               <a:rPr lang="hu-HU" smtClean="0"/>
-              <a:t>2017. 09. 28.</a:t>
+              <a:t>2017. 09. 29.</a:t>
             </a:fld>
             <a:endParaRPr lang="hu-HU"/>
           </a:p>
@@ -5158,7 +5363,7 @@
             </a:r>
             <a:r>
               <a:rPr lang="en-GB" sz="4000" i="1" dirty="0" smtClean="0"/>
-              <a:t>“Cow5Bull8”</a:t>
+              <a:t>“CowBull69”</a:t>
             </a:r>
             <a:endParaRPr lang="hu-HU" sz="4000" i="1" dirty="0"/>
           </a:p>
@@ -5213,7 +5418,7 @@
       </p:grpSpPr>
       <p:pic>
         <p:nvPicPr>
-          <p:cNvPr id="4" name="Kép 3"/>
+          <p:cNvPr id="5" name="Kép 4"/>
           <p:cNvPicPr>
             <a:picLocks noChangeAspect="1"/>
           </p:cNvPicPr>
@@ -5227,8 +5432,8 @@
         </p:blipFill>
         <p:spPr>
           <a:xfrm>
-            <a:off x="468285" y="2399467"/>
-            <a:ext cx="11285412" cy="3378200"/>
+            <a:off x="468285" y="960129"/>
+            <a:ext cx="11285412" cy="590593"/>
           </a:xfrm>
           <a:prstGeom prst="rect">
             <a:avLst/>
@@ -5237,7 +5442,7 @@
       </p:pic>
       <p:pic>
         <p:nvPicPr>
-          <p:cNvPr id="5" name="Kép 4"/>
+          <p:cNvPr id="2" name="Kép 1"/>
           <p:cNvPicPr>
             <a:picLocks noChangeAspect="1"/>
           </p:cNvPicPr>
@@ -5251,8 +5456,8 @@
         </p:blipFill>
         <p:spPr>
           <a:xfrm>
-            <a:off x="468285" y="960129"/>
-            <a:ext cx="11285412" cy="590593"/>
+            <a:off x="468285" y="2311403"/>
+            <a:ext cx="11285412" cy="3205578"/>
           </a:xfrm>
           <a:prstGeom prst="rect">
             <a:avLst/>
@@ -5308,7 +5513,7 @@
       </p:grpSpPr>
       <p:pic>
         <p:nvPicPr>
-          <p:cNvPr id="5" name="Kép 4"/>
+          <p:cNvPr id="6" name="Kép 5"/>
           <p:cNvPicPr>
             <a:picLocks noChangeAspect="1"/>
           </p:cNvPicPr>
@@ -5322,8 +5527,8 @@
         </p:blipFill>
         <p:spPr>
           <a:xfrm>
-            <a:off x="449723" y="1575538"/>
-            <a:ext cx="11303974" cy="4714630"/>
+            <a:off x="468285" y="736194"/>
+            <a:ext cx="11285412" cy="590593"/>
           </a:xfrm>
           <a:prstGeom prst="rect">
             <a:avLst/>
@@ -5332,7 +5537,7 @@
       </p:pic>
       <p:pic>
         <p:nvPicPr>
-          <p:cNvPr id="6" name="Kép 5"/>
+          <p:cNvPr id="2" name="Kép 1"/>
           <p:cNvPicPr>
             <a:picLocks noChangeAspect="1"/>
           </p:cNvPicPr>
@@ -5346,8 +5551,8 @@
         </p:blipFill>
         <p:spPr>
           <a:xfrm>
-            <a:off x="468285" y="736194"/>
-            <a:ext cx="11285412" cy="590593"/>
+            <a:off x="468285" y="1724430"/>
+            <a:ext cx="11285412" cy="4566137"/>
           </a:xfrm>
           <a:prstGeom prst="rect">
             <a:avLst/>
@@ -5403,7 +5608,7 @@
       </p:grpSpPr>
       <p:pic>
         <p:nvPicPr>
-          <p:cNvPr id="4" name="Kép 3"/>
+          <p:cNvPr id="7" name="Kép 6"/>
           <p:cNvPicPr>
             <a:picLocks noChangeAspect="1"/>
           </p:cNvPicPr>
@@ -5417,32 +5622,8 @@
         </p:blipFill>
         <p:spPr>
           <a:xfrm>
-            <a:off x="624624" y="665736"/>
-            <a:ext cx="11062671" cy="4707880"/>
-          </a:xfrm>
-          <a:prstGeom prst="rect">
-            <a:avLst/>
-          </a:prstGeom>
-        </p:spPr>
-      </p:pic>
-      <p:pic>
-        <p:nvPicPr>
-          <p:cNvPr id="6" name="Kép 5"/>
-          <p:cNvPicPr>
-            <a:picLocks noChangeAspect="1"/>
-          </p:cNvPicPr>
-          <p:nvPr/>
-        </p:nvPicPr>
-        <p:blipFill>
-          <a:blip r:embed="rId4"/>
-          <a:stretch>
-            <a:fillRect/>
-          </a:stretch>
-        </p:blipFill>
-        <p:spPr>
-          <a:xfrm>
-            <a:off x="624624" y="5678717"/>
-            <a:ext cx="11062671" cy="501161"/>
+            <a:off x="223808" y="1535724"/>
+            <a:ext cx="11744385" cy="3786552"/>
           </a:xfrm>
           <a:prstGeom prst="rect">
             <a:avLst/>
@@ -5452,7 +5633,7 @@
     </p:spTree>
     <p:extLst>
       <p:ext uri="{BB962C8B-B14F-4D97-AF65-F5344CB8AC3E}">
-        <p14:creationId xmlns:p14="http://schemas.microsoft.com/office/powerpoint/2010/main" val="3128575110"/>
+        <p14:creationId xmlns:p14="http://schemas.microsoft.com/office/powerpoint/2010/main" val="2528894777"/>
       </p:ext>
     </p:extLst>
   </p:cSld>
@@ -5590,8 +5771,8 @@
         </p:nvSpPr>
         <p:spPr>
           <a:xfrm>
-            <a:off x="877078" y="1443841"/>
-            <a:ext cx="3615905" cy="3970318"/>
+            <a:off x="877078" y="2828836"/>
+            <a:ext cx="3615905" cy="1200329"/>
           </a:xfrm>
           <a:prstGeom prst="rect">
             <a:avLst/>
@@ -5612,41 +5793,12 @@
               </a:rPr>
               <a:t>TEST-DRIVEN-DEVELOPMENT</a:t>
             </a:r>
-          </a:p>
-          <a:p>
-            <a:endParaRPr lang="en-GB" sz="3600" b="1" dirty="0">
+            <a:endParaRPr lang="en-GB" sz="3600" b="1" dirty="0" smtClean="0">
               <a:solidFill>
                 <a:schemeClr val="bg1"/>
               </a:solidFill>
             </a:endParaRPr>
           </a:p>
-          <a:p>
-            <a:r>
-              <a:rPr lang="en-GB" sz="3600" b="1" dirty="0" smtClean="0">
-                <a:solidFill>
-                  <a:schemeClr val="bg1"/>
-                </a:solidFill>
-              </a:rPr>
-              <a:t>COULD HAVE USE</a:t>
-            </a:r>
-          </a:p>
-          <a:p>
-            <a:endParaRPr lang="en-GB" sz="3600" b="1" dirty="0">
-              <a:solidFill>
-                <a:schemeClr val="bg1"/>
-              </a:solidFill>
-            </a:endParaRPr>
-          </a:p>
-          <a:p>
-            <a:r>
-              <a:rPr lang="en-GB" sz="3600" b="1" dirty="0" smtClean="0">
-                <a:solidFill>
-                  <a:schemeClr val="bg1"/>
-                </a:solidFill>
-              </a:rPr>
-              <a:t>NEW FEATURE IN TODO APP</a:t>
-            </a:r>
-          </a:p>
         </p:txBody>
       </p:sp>
       <p:sp>
@@ -5657,8 +5809,8 @@
         </p:nvSpPr>
         <p:spPr>
           <a:xfrm>
-            <a:off x="7949226" y="1443841"/>
-            <a:ext cx="3581907" cy="3970318"/>
+            <a:off x="7949226" y="2828836"/>
+            <a:ext cx="3581907" cy="1200329"/>
           </a:xfrm>
           <a:prstGeom prst="rect">
             <a:avLst/>
@@ -5678,46 +5830,21 @@
                   <a:schemeClr val="bg1"/>
                 </a:solidFill>
               </a:rPr>
-              <a:t>STILL FOUND BUGS</a:t>
-            </a:r>
-          </a:p>
-          <a:p>
-            <a:pPr algn="r"/>
-            <a:endParaRPr lang="en-GB" sz="3600" b="1" dirty="0">
-              <a:solidFill>
-                <a:schemeClr val="bg1"/>
-              </a:solidFill>
-            </a:endParaRPr>
-          </a:p>
-          <a:p>
-            <a:pPr algn="r"/>
+              <a:t>STILL FOUND </a:t>
+            </a:r>
             <a:r>
               <a:rPr lang="en-GB" sz="3600" b="1" dirty="0" smtClean="0">
                 <a:solidFill>
                   <a:schemeClr val="bg1"/>
                 </a:solidFill>
               </a:rPr>
-              <a:t>COULD HAVE USE</a:t>
-            </a:r>
-          </a:p>
-          <a:p>
-            <a:pPr algn="r"/>
-            <a:endParaRPr lang="en-GB" sz="3600" b="1" dirty="0">
+              <a:t>BUGS</a:t>
+            </a:r>
+            <a:endParaRPr lang="en-GB" sz="3600" b="1" dirty="0" smtClean="0">
               <a:solidFill>
                 <a:schemeClr val="bg1"/>
               </a:solidFill>
             </a:endParaRPr>
-          </a:p>
-          <a:p>
-            <a:pPr algn="r"/>
-            <a:r>
-              <a:rPr lang="en-GB" sz="3600" b="1" dirty="0" smtClean="0">
-                <a:solidFill>
-                  <a:schemeClr val="bg1"/>
-                </a:solidFill>
-              </a:rPr>
-              <a:t>NEVER EMPTY TODO LIST</a:t>
-            </a:r>
           </a:p>
         </p:txBody>
       </p:sp>
